--- a/fall15/slidesF15/stable-optimal.pptx
+++ b/fall15/slidesF15/stable-optimal.pptx
@@ -4782,7 +4782,7 @@
             <a:r>
               <a:rPr lang="en-US" sz="4800" dirty="0" smtClean="0">
                 <a:solidFill>
-                  <a:srgbClr val="9F009F"/>
+                  <a:srgbClr val="0000FF"/>
                 </a:solidFill>
               </a:rPr>
               <a:t>nt</a:t>
@@ -4962,7 +4962,7 @@
           <a:graphicData uri="http://schemas.openxmlformats.org/presentationml/2006/ole">
             <mc:AlternateContent xmlns:mc="http://schemas.openxmlformats.org/markup-compatibility/2006">
               <mc:Choice xmlns:v="urn:schemas-microsoft-com:vml" Requires="v">
-                <p:oleObj spid="_x0000_s3106" name="Equation" r:id="rId4" imgW="114300" imgH="165100" progId="Equation.3">
+                <p:oleObj spid="_x0000_s3110" name="Equation" r:id="rId4" imgW="114300" imgH="165100" progId="Equation.3">
                   <p:embed/>
                 </p:oleObj>
               </mc:Choice>
@@ -5019,7 +5019,7 @@
           <a:graphicData uri="http://schemas.openxmlformats.org/presentationml/2006/ole">
             <mc:AlternateContent xmlns:mc="http://schemas.openxmlformats.org/markup-compatibility/2006">
               <mc:Choice xmlns:v="urn:schemas-microsoft-com:vml" Requires="v">
-                <p:oleObj spid="_x0000_s3107" name="Equation" r:id="rId6" imgW="114300" imgH="165100" progId="Equation.3">
+                <p:oleObj spid="_x0000_s3111" name="Equation" r:id="rId6" imgW="114300" imgH="165100" progId="Equation.3">
                   <p:embed/>
                 </p:oleObj>
               </mc:Choice>
@@ -5076,7 +5076,7 @@
           <a:graphicData uri="http://schemas.openxmlformats.org/presentationml/2006/ole">
             <mc:AlternateContent xmlns:mc="http://schemas.openxmlformats.org/markup-compatibility/2006">
               <mc:Choice xmlns:v="urn:schemas-microsoft-com:vml" Requires="v">
-                <p:oleObj spid="_x0000_s3108" name="Equation" r:id="rId8" imgW="1473200" imgH="558800" progId="Equation.DSMT4">
+                <p:oleObj spid="_x0000_s3112" name="Equation" r:id="rId8" imgW="1473200" imgH="558800" progId="Equation.DSMT4">
                   <p:embed/>
                 </p:oleObj>
               </mc:Choice>
@@ -10387,13 +10387,13 @@
   <p:clrMapOvr>
     <a:masterClrMapping/>
   </p:clrMapOvr>
-  <mc:AlternateContent xmlns:mc="http://schemas.openxmlformats.org/markup-compatibility/2006">
-    <mc:Choice xmlns:p14="http://schemas.microsoft.com/office/powerpoint/2010/main" Requires="p14">
+  <mc:AlternateContent xmlns:mc="http://schemas.openxmlformats.org/markup-compatibility/2006" xmlns:p14="http://schemas.microsoft.com/office/powerpoint/2010/main">
+    <mc:Choice Requires="p14">
       <p:transition spd="med" p14:dur="700" advClick="0">
         <p:fade/>
       </p:transition>
     </mc:Choice>
-    <mc:Fallback>
+    <mc:Fallback xmlns="">
       <p:transition xmlns:p14="http://schemas.microsoft.com/office/powerpoint/2010/main" spd="med" advClick="0">
         <p:fade/>
       </p:transition>
@@ -12868,7 +12868,7 @@
           <a:graphicData uri="http://schemas.openxmlformats.org/presentationml/2006/ole">
             <mc:AlternateContent xmlns:mc="http://schemas.openxmlformats.org/markup-compatibility/2006">
               <mc:Choice xmlns:v="urn:schemas-microsoft-com:vml" Requires="v">
-                <p:oleObj spid="_x0000_s1049" name="Equation" r:id="rId4" imgW="114300" imgH="165100" progId="Equation.3">
+                <p:oleObj spid="_x0000_s1052" name="Equation" r:id="rId4" imgW="114300" imgH="165100" progId="Equation.3">
                   <p:embed/>
                 </p:oleObj>
               </mc:Choice>
@@ -12925,7 +12925,7 @@
           <a:graphicData uri="http://schemas.openxmlformats.org/presentationml/2006/ole">
             <mc:AlternateContent xmlns:mc="http://schemas.openxmlformats.org/markup-compatibility/2006">
               <mc:Choice xmlns:v="urn:schemas-microsoft-com:vml" Requires="v">
-                <p:oleObj spid="_x0000_s1050" name="Equation" r:id="rId6" imgW="114300" imgH="165100" progId="Equation.3">
+                <p:oleObj spid="_x0000_s1053" name="Equation" r:id="rId6" imgW="114300" imgH="165100" progId="Equation.3">
                   <p:embed/>
                 </p:oleObj>
               </mc:Choice>
